--- a/docs/diagrams/ArchitectureDiagram.pptx
+++ b/docs/diagrams/ArchitectureDiagram.pptx
@@ -107,6 +107,22 @@
       </a:defRPr>
     </a:lvl9pPr>
   </p:defaultTextStyle>
+  <p:extLst>
+    <p:ext uri="{EFAFB233-063F-42B5-8137-9DF3F51BA10A}">
+      <p15:sldGuideLst xmlns:p15="http://schemas.microsoft.com/office/powerpoint/2012/main">
+        <p15:guide id="1" orient="horz" pos="1488">
+          <p15:clr>
+            <a:srgbClr val="A4A3A4"/>
+          </p15:clr>
+        </p15:guide>
+        <p15:guide id="2" pos="2880">
+          <p15:clr>
+            <a:srgbClr val="A4A3A4"/>
+          </p15:clr>
+        </p15:guide>
+      </p15:sldGuideLst>
+    </p:ext>
+  </p:extLst>
 </p:presentation>
 </file>
 
@@ -192,7 +208,7 @@
           <a:p>
             <a:fld id="{F5CC4B3F-88C1-4FFA-B1B6-F41C21DC6924}" type="datetimeFigureOut">
               <a:rPr lang="en-US" smtClean="0"/>
-              <a:t>10/16/2016</a:t>
+              <a:t>10/19/2017</a:t>
             </a:fld>
             <a:endParaRPr lang="en-US"/>
           </a:p>
@@ -641,7 +657,7 @@
           <a:p>
             <a:fld id="{78C97017-6FC3-485B-9764-EAC9E56C1D49}" type="datetimeFigureOut">
               <a:rPr lang="en-US" smtClean="0"/>
-              <a:t>10/16/2016</a:t>
+              <a:t>10/19/2017</a:t>
             </a:fld>
             <a:endParaRPr lang="en-US"/>
           </a:p>
@@ -811,7 +827,7 @@
           <a:p>
             <a:fld id="{78C97017-6FC3-485B-9764-EAC9E56C1D49}" type="datetimeFigureOut">
               <a:rPr lang="en-US" smtClean="0"/>
-              <a:t>10/16/2016</a:t>
+              <a:t>10/19/2017</a:t>
             </a:fld>
             <a:endParaRPr lang="en-US"/>
           </a:p>
@@ -991,7 +1007,7 @@
           <a:p>
             <a:fld id="{78C97017-6FC3-485B-9764-EAC9E56C1D49}" type="datetimeFigureOut">
               <a:rPr lang="en-US" smtClean="0"/>
-              <a:t>10/16/2016</a:t>
+              <a:t>10/19/2017</a:t>
             </a:fld>
             <a:endParaRPr lang="en-US"/>
           </a:p>
@@ -1161,7 +1177,7 @@
           <a:p>
             <a:fld id="{78C97017-6FC3-485B-9764-EAC9E56C1D49}" type="datetimeFigureOut">
               <a:rPr lang="en-US" smtClean="0"/>
-              <a:t>10/16/2016</a:t>
+              <a:t>10/19/2017</a:t>
             </a:fld>
             <a:endParaRPr lang="en-US"/>
           </a:p>
@@ -1407,7 +1423,7 @@
           <a:p>
             <a:fld id="{78C97017-6FC3-485B-9764-EAC9E56C1D49}" type="datetimeFigureOut">
               <a:rPr lang="en-US" smtClean="0"/>
-              <a:t>10/16/2016</a:t>
+              <a:t>10/19/2017</a:t>
             </a:fld>
             <a:endParaRPr lang="en-US"/>
           </a:p>
@@ -1695,7 +1711,7 @@
           <a:p>
             <a:fld id="{78C97017-6FC3-485B-9764-EAC9E56C1D49}" type="datetimeFigureOut">
               <a:rPr lang="en-US" smtClean="0"/>
-              <a:t>10/16/2016</a:t>
+              <a:t>10/19/2017</a:t>
             </a:fld>
             <a:endParaRPr lang="en-US"/>
           </a:p>
@@ -2117,7 +2133,7 @@
           <a:p>
             <a:fld id="{78C97017-6FC3-485B-9764-EAC9E56C1D49}" type="datetimeFigureOut">
               <a:rPr lang="en-US" smtClean="0"/>
-              <a:t>10/16/2016</a:t>
+              <a:t>10/19/2017</a:t>
             </a:fld>
             <a:endParaRPr lang="en-US"/>
           </a:p>
@@ -2235,7 +2251,7 @@
           <a:p>
             <a:fld id="{78C97017-6FC3-485B-9764-EAC9E56C1D49}" type="datetimeFigureOut">
               <a:rPr lang="en-US" smtClean="0"/>
-              <a:t>10/16/2016</a:t>
+              <a:t>10/19/2017</a:t>
             </a:fld>
             <a:endParaRPr lang="en-US"/>
           </a:p>
@@ -2330,7 +2346,7 @@
           <a:p>
             <a:fld id="{78C97017-6FC3-485B-9764-EAC9E56C1D49}" type="datetimeFigureOut">
               <a:rPr lang="en-US" smtClean="0"/>
-              <a:t>10/16/2016</a:t>
+              <a:t>10/19/2017</a:t>
             </a:fld>
             <a:endParaRPr lang="en-US"/>
           </a:p>
@@ -2607,7 +2623,7 @@
           <a:p>
             <a:fld id="{78C97017-6FC3-485B-9764-EAC9E56C1D49}" type="datetimeFigureOut">
               <a:rPr lang="en-US" smtClean="0"/>
-              <a:t>10/16/2016</a:t>
+              <a:t>10/19/2017</a:t>
             </a:fld>
             <a:endParaRPr lang="en-US"/>
           </a:p>
@@ -2860,7 +2876,7 @@
           <a:p>
             <a:fld id="{78C97017-6FC3-485B-9764-EAC9E56C1D49}" type="datetimeFigureOut">
               <a:rPr lang="en-US" smtClean="0"/>
-              <a:t>10/16/2016</a:t>
+              <a:t>10/19/2017</a:t>
             </a:fld>
             <a:endParaRPr lang="en-US"/>
           </a:p>
@@ -3073,7 +3089,7 @@
           <a:p>
             <a:fld id="{78C97017-6FC3-485B-9764-EAC9E56C1D49}" type="datetimeFigureOut">
               <a:rPr lang="en-US" smtClean="0"/>
-              <a:t>10/16/2016</a:t>
+              <a:t>10/19/2017</a:t>
             </a:fld>
             <a:endParaRPr lang="en-US"/>
           </a:p>
@@ -3456,8 +3472,8 @@
         </p:nvSpPr>
         <p:spPr>
           <a:xfrm>
-            <a:off x="1636188" y="2057400"/>
-            <a:ext cx="5700181" cy="2667000"/>
+            <a:off x="1636188" y="1905000"/>
+            <a:ext cx="5700181" cy="2819400"/>
           </a:xfrm>
           <a:prstGeom prst="roundRect">
             <a:avLst>
@@ -4182,7 +4198,7 @@
         </p:nvSpPr>
         <p:spPr>
           <a:xfrm>
-            <a:off x="2650069" y="1447800"/>
+            <a:off x="2650069" y="1295400"/>
             <a:ext cx="914400" cy="533400"/>
           </a:xfrm>
           <a:prstGeom prst="cloud">
@@ -4240,8 +4256,8 @@
         </p:nvCxnSpPr>
         <p:spPr>
           <a:xfrm rot="5400000" flipH="1" flipV="1">
-            <a:off x="2222648" y="1760922"/>
-            <a:ext cx="476678" cy="383835"/>
+            <a:off x="2146448" y="1684722"/>
+            <a:ext cx="629078" cy="383835"/>
           </a:xfrm>
           <a:prstGeom prst="bentConnector2">
             <a:avLst/>
@@ -4755,6 +4771,112 @@
               <a:schemeClr val="accent5">
                 <a:lumMod val="75000"/>
               </a:schemeClr>
+            </a:solidFill>
+          </a:ln>
+        </p:spPr>
+        <p:style>
+          <a:lnRef idx="1">
+            <a:schemeClr val="accent1"/>
+          </a:lnRef>
+          <a:fillRef idx="0">
+            <a:schemeClr val="accent1"/>
+          </a:fillRef>
+          <a:effectRef idx="0">
+            <a:schemeClr val="accent1"/>
+          </a:effectRef>
+          <a:fontRef idx="minor">
+            <a:schemeClr val="tx1"/>
+          </a:fontRef>
+        </p:style>
+      </p:cxnSp>
+      <p:cxnSp>
+        <p:nvCxnSpPr>
+          <p:cNvPr id="44" name="Straight Arrow Connector 43"/>
+          <p:cNvCxnSpPr/>
+          <p:nvPr/>
+        </p:nvCxnSpPr>
+        <p:spPr>
+          <a:xfrm>
+            <a:off x="5486400" y="1981200"/>
+            <a:ext cx="0" cy="228600"/>
+          </a:xfrm>
+          <a:prstGeom prst="straightConnector1">
+            <a:avLst/>
+          </a:prstGeom>
+          <a:ln w="28575">
+            <a:solidFill>
+              <a:srgbClr val="00B050"/>
+            </a:solidFill>
+            <a:tailEnd type="arrow"/>
+          </a:ln>
+        </p:spPr>
+        <p:style>
+          <a:lnRef idx="1">
+            <a:schemeClr val="accent1"/>
+          </a:lnRef>
+          <a:fillRef idx="0">
+            <a:schemeClr val="accent1"/>
+          </a:fillRef>
+          <a:effectRef idx="0">
+            <a:schemeClr val="accent1"/>
+          </a:effectRef>
+          <a:fontRef idx="minor">
+            <a:schemeClr val="tx1"/>
+          </a:fontRef>
+        </p:style>
+      </p:cxnSp>
+      <p:cxnSp>
+        <p:nvCxnSpPr>
+          <p:cNvPr id="19" name="Straight Connector 18"/>
+          <p:cNvCxnSpPr/>
+          <p:nvPr/>
+        </p:nvCxnSpPr>
+        <p:spPr>
+          <a:xfrm flipH="1">
+            <a:off x="2438400" y="1981200"/>
+            <a:ext cx="3048000" cy="0"/>
+          </a:xfrm>
+          <a:prstGeom prst="line">
+            <a:avLst/>
+          </a:prstGeom>
+          <a:ln w="28575">
+            <a:solidFill>
+              <a:srgbClr val="00B050"/>
+            </a:solidFill>
+          </a:ln>
+        </p:spPr>
+        <p:style>
+          <a:lnRef idx="1">
+            <a:schemeClr val="accent1"/>
+          </a:lnRef>
+          <a:fillRef idx="0">
+            <a:schemeClr val="accent1"/>
+          </a:fillRef>
+          <a:effectRef idx="0">
+            <a:schemeClr val="accent1"/>
+          </a:effectRef>
+          <a:fontRef idx="minor">
+            <a:schemeClr val="tx1"/>
+          </a:fontRef>
+        </p:style>
+      </p:cxnSp>
+      <p:cxnSp>
+        <p:nvCxnSpPr>
+          <p:cNvPr id="45" name="Straight Connector 44"/>
+          <p:cNvCxnSpPr/>
+          <p:nvPr/>
+        </p:nvCxnSpPr>
+        <p:spPr>
+          <a:xfrm flipV="1">
+            <a:off x="2438400" y="1981200"/>
+            <a:ext cx="0" cy="228600"/>
+          </a:xfrm>
+          <a:prstGeom prst="line">
+            <a:avLst/>
+          </a:prstGeom>
+          <a:ln w="28575">
+            <a:solidFill>
+              <a:srgbClr val="00B050"/>
             </a:solidFill>
           </a:ln>
         </p:spPr>
